--- a/Aurora Bank Analysis Presentation.pptx
+++ b/Aurora Bank Analysis Presentation.pptx
@@ -8953,7 +8953,7 @@
         </p:blipFill>
         <p:spPr>
           <a:xfrm>
-            <a:off x="0" y="0"/>
+            <a:off x="69215" y="160243"/>
             <a:ext cx="5426656" cy="3429000"/>
           </a:xfrm>
           <a:prstGeom prst="rect">
@@ -8997,7 +8997,7 @@
         </p:blipFill>
         <p:spPr>
           <a:xfrm>
-            <a:off x="5957569" y="0"/>
+            <a:off x="5957569" y="160243"/>
             <a:ext cx="6096000" cy="3429000"/>
           </a:xfrm>
           <a:prstGeom prst="rect">
@@ -9027,8 +9027,8 @@
         </p:nvSpPr>
         <p:spPr>
           <a:xfrm>
-            <a:off x="5957569" y="3620021"/>
-            <a:ext cx="5819138" cy="2862322"/>
+            <a:off x="5957569" y="3749486"/>
+            <a:ext cx="5819138" cy="2462213"/>
           </a:xfrm>
           <a:prstGeom prst="rect">
             <a:avLst/>
@@ -9043,7 +9043,7 @@
           <a:p>
             <a:pPr algn="just"/>
             <a:r>
-              <a:rPr lang="en-US" sz="1500" dirty="0">
+              <a:rPr lang="en-US" sz="1400" dirty="0">
                 <a:solidFill>
                   <a:schemeClr val="tx1"/>
                 </a:solidFill>
@@ -9457,10 +9457,10 @@
       </p:sp>
       <p:pic>
         <p:nvPicPr>
-          <p:cNvPr id="3" name="Picture 2">
+          <p:cNvPr id="5" name="Picture 4">
             <a:extLst>
               <a:ext uri="{FF2B5EF4-FFF2-40B4-BE49-F238E27FC236}">
-                <a16:creationId xmlns:a16="http://schemas.microsoft.com/office/drawing/2014/main" id="{7815F78B-5D28-4892-BC60-F65A70E21569}"/>
+                <a16:creationId xmlns:a16="http://schemas.microsoft.com/office/drawing/2014/main" id="{991843AD-A305-4E4F-82ED-F5745EC5FE79}"/>
               </a:ext>
             </a:extLst>
           </p:cNvPr>
@@ -9483,8 +9483,8 @@
         </p:blipFill>
         <p:spPr>
           <a:xfrm>
-            <a:off x="6551112" y="137786"/>
-            <a:ext cx="5468058" cy="3291214"/>
+            <a:off x="361476" y="3429000"/>
+            <a:ext cx="5050524" cy="3352126"/>
           </a:xfrm>
           <a:prstGeom prst="rect">
             <a:avLst/>
@@ -9499,12 +9499,86 @@
           </a:ln>
         </p:spPr>
       </p:pic>
+      <p:sp>
+        <p:nvSpPr>
+          <p:cNvPr id="4" name="TextBox 3">
+            <a:extLst>
+              <a:ext uri="{FF2B5EF4-FFF2-40B4-BE49-F238E27FC236}">
+                <a16:creationId xmlns:a16="http://schemas.microsoft.com/office/drawing/2014/main" id="{0E3B6EB1-4320-4D77-A3C4-67DD5F20B469}"/>
+              </a:ext>
+            </a:extLst>
+          </p:cNvPr>
+          <p:cNvSpPr txBox="1"/>
+          <p:nvPr/>
+        </p:nvSpPr>
+        <p:spPr>
+          <a:xfrm>
+            <a:off x="210409" y="615034"/>
+            <a:ext cx="5826249" cy="2246769"/>
+          </a:xfrm>
+          <a:prstGeom prst="rect">
+            <a:avLst/>
+          </a:prstGeom>
+          <a:noFill/>
+        </p:spPr>
+        <p:txBody>
+          <a:bodyPr wrap="square" rtlCol="0">
+            <a:spAutoFit/>
+          </a:bodyPr>
+          <a:lstStyle/>
+          <a:p>
+            <a:pPr algn="just"/>
+            <a:r>
+              <a:rPr lang="en-US" sz="1400" dirty="0">
+                <a:cs typeface="Times New Roman" panose="02020603050405020304" pitchFamily="18" charset="0"/>
+              </a:rPr>
+              <a:t>The most prevalent issue is transactions failing due to “Insufficient Balance”, which occurred 1,760 times. This suggests that a significant number of clients are either unaware of their account balances or are consistently attempting transactions without adequate funds. Additionally, there were 388 instances of “Bad PIN” entries, and 324 Technical Glitches, which may indicate either user experience problems or underlying system instability. Less frequent errors include bad card numbers (93 cases) and bad expiration dates (73 cases), which are likely due to outdated card details or manual entry mistakes</a:t>
+            </a:r>
+          </a:p>
+        </p:txBody>
+      </p:sp>
+      <p:sp>
+        <p:nvSpPr>
+          <p:cNvPr id="6" name="TextBox 5">
+            <a:extLst>
+              <a:ext uri="{FF2B5EF4-FFF2-40B4-BE49-F238E27FC236}">
+                <a16:creationId xmlns:a16="http://schemas.microsoft.com/office/drawing/2014/main" id="{81888E50-2B2C-4BC4-8DC5-C40B96459DF6}"/>
+              </a:ext>
+            </a:extLst>
+          </p:cNvPr>
+          <p:cNvSpPr txBox="1"/>
+          <p:nvPr/>
+        </p:nvSpPr>
+        <p:spPr>
+          <a:xfrm>
+            <a:off x="5471342" y="4065626"/>
+            <a:ext cx="4681297" cy="1815882"/>
+          </a:xfrm>
+          <a:prstGeom prst="rect">
+            <a:avLst/>
+          </a:prstGeom>
+          <a:noFill/>
+        </p:spPr>
+        <p:txBody>
+          <a:bodyPr wrap="square" rtlCol="0">
+            <a:spAutoFit/>
+          </a:bodyPr>
+          <a:lstStyle/>
+          <a:p>
+            <a:pPr algn="just"/>
+            <a:r>
+              <a:rPr lang="en-US" sz="1400" dirty="0"/>
+              <a:t>In the Card Brand Distribution chart, Mastercard emerges as the most widely used card brand among clients, with 52.21% of users holding a Mastercard. Visa follows as the second most popular, representing 37.85% of the client base. On the other hand, Amex and Discover trail significantly behind, with only 6.54% and 3.4% of users, respectively.</a:t>
+            </a:r>
+          </a:p>
+        </p:txBody>
+      </p:sp>
       <p:pic>
         <p:nvPicPr>
-          <p:cNvPr id="5" name="Picture 4">
+          <p:cNvPr id="8" name="Picture 7">
             <a:extLst>
               <a:ext uri="{FF2B5EF4-FFF2-40B4-BE49-F238E27FC236}">
-                <a16:creationId xmlns:a16="http://schemas.microsoft.com/office/drawing/2014/main" id="{991843AD-A305-4E4F-82ED-F5745EC5FE79}"/>
+                <a16:creationId xmlns:a16="http://schemas.microsoft.com/office/drawing/2014/main" id="{CF766A02-ADF4-F6A7-2FCD-791B758F2DAF}"/>
               </a:ext>
             </a:extLst>
           </p:cNvPr>
@@ -9527,95 +9601,14 @@
         </p:blipFill>
         <p:spPr>
           <a:xfrm>
-            <a:off x="172830" y="3675062"/>
-            <a:ext cx="4787477" cy="3182938"/>
+            <a:off x="6155343" y="137786"/>
+            <a:ext cx="5826247" cy="3291214"/>
           </a:xfrm>
           <a:prstGeom prst="rect">
             <a:avLst/>
           </a:prstGeom>
-          <a:ln>
-            <a:solidFill>
-              <a:schemeClr val="accent1">
-                <a:lumMod val="60000"/>
-                <a:lumOff val="40000"/>
-              </a:schemeClr>
-            </a:solidFill>
-          </a:ln>
         </p:spPr>
       </p:pic>
-      <p:sp>
-        <p:nvSpPr>
-          <p:cNvPr id="4" name="TextBox 3">
-            <a:extLst>
-              <a:ext uri="{FF2B5EF4-FFF2-40B4-BE49-F238E27FC236}">
-                <a16:creationId xmlns:a16="http://schemas.microsoft.com/office/drawing/2014/main" id="{0E3B6EB1-4320-4D77-A3C4-67DD5F20B469}"/>
-              </a:ext>
-            </a:extLst>
-          </p:cNvPr>
-          <p:cNvSpPr txBox="1"/>
-          <p:nvPr/>
-        </p:nvSpPr>
-        <p:spPr>
-          <a:xfrm>
-            <a:off x="210408" y="283260"/>
-            <a:ext cx="6340704" cy="2893100"/>
-          </a:xfrm>
-          <a:prstGeom prst="rect">
-            <a:avLst/>
-          </a:prstGeom>
-          <a:noFill/>
-        </p:spPr>
-        <p:txBody>
-          <a:bodyPr wrap="square" rtlCol="0">
-            <a:spAutoFit/>
-          </a:bodyPr>
-          <a:lstStyle/>
-          <a:p>
-            <a:pPr algn="just"/>
-            <a:r>
-              <a:rPr lang="en-US" sz="1400" dirty="0">
-                <a:cs typeface="Times New Roman" panose="02020603050405020304" pitchFamily="18" charset="0"/>
-              </a:rPr>
-              <a:t>The error message analysis reveals that the vast majority of transactions were processed successfully, with a remarkable 154,486 instances showing no error. This indicates a high level of system reliability and operational efficiency across the bank’s transaction channels. However, the most prevalent issue is transactions failing due to “Insufficient Balance”, which occurred 1,760 times. This suggests that a significant number of clients are either unaware of their account balances or are consistently attempting transactions without adequate funds. Additionally, there were 388 instances of “Bad PIN” entries, and 324 Technical Glitches, which may indicate either user experience problems or underlying system instability. Less frequent errors include bad card numbers (93 cases) and bad expiration dates (73 cases), which are likely due to outdated card details or manual entry mistakes</a:t>
-            </a:r>
-          </a:p>
-        </p:txBody>
-      </p:sp>
-      <p:sp>
-        <p:nvSpPr>
-          <p:cNvPr id="6" name="TextBox 5">
-            <a:extLst>
-              <a:ext uri="{FF2B5EF4-FFF2-40B4-BE49-F238E27FC236}">
-                <a16:creationId xmlns:a16="http://schemas.microsoft.com/office/drawing/2014/main" id="{81888E50-2B2C-4BC4-8DC5-C40B96459DF6}"/>
-              </a:ext>
-            </a:extLst>
-          </p:cNvPr>
-          <p:cNvSpPr txBox="1"/>
-          <p:nvPr/>
-        </p:nvSpPr>
-        <p:spPr>
-          <a:xfrm>
-            <a:off x="5223354" y="4574033"/>
-            <a:ext cx="6500600" cy="1169551"/>
-          </a:xfrm>
-          <a:prstGeom prst="rect">
-            <a:avLst/>
-          </a:prstGeom>
-          <a:noFill/>
-        </p:spPr>
-        <p:txBody>
-          <a:bodyPr wrap="square" rtlCol="0">
-            <a:spAutoFit/>
-          </a:bodyPr>
-          <a:lstStyle/>
-          <a:p>
-            <a:r>
-              <a:rPr lang="en-US" sz="1400" dirty="0"/>
-              <a:t>In the Card Brand Distribution chart, Mastercard emerges as the most widely used card brand among clients, with 52.21% of users holding a Mastercard. Visa follows as the second most popular, representing 37.85% of the client base. On the other hand, Amex and Discover trail significantly behind, with only 6.54% and 3.4% of users, respectively.</a:t>
-            </a:r>
-          </a:p>
-        </p:txBody>
-      </p:sp>
     </p:spTree>
     <p:extLst>
       <p:ext uri="{BB962C8B-B14F-4D97-AF65-F5344CB8AC3E}">
